--- a/doc/presentations/Instability_processing.pptx
+++ b/doc/presentations/Instability_processing.pptx
@@ -206,7 +206,7 @@
           <a:p>
             <a:fld id="{40BAB56A-BD67-4CEB-9E59-5B3B38DB9011}" type="datetimeFigureOut">
               <a:rPr lang="de-DE" smtClean="0"/>
-              <a:t>27.06.2023</a:t>
+              <a:t>28.06.2023</a:t>
             </a:fld>
             <a:endParaRPr lang="de-DE"/>
           </a:p>
@@ -9494,17 +9494,6 @@
             <a:endParaRPr lang="de-DE" dirty="0"/>
           </a:p>
           <a:p>
-            <a:pPr marL="819150" lvl="3" indent="-285750">
-              <a:buFont typeface="Arial" panose="020B0604020202020204" pitchFamily="34" charset="0"/>
-              <a:buChar char="•"/>
-            </a:pPr>
-            <a:r>
-              <a:rPr lang="de-DE" b="0" dirty="0" smtClean="0"/>
-              <a:t>…</a:t>
-            </a:r>
-            <a:endParaRPr lang="de-DE" dirty="0"/>
-          </a:p>
-          <a:p>
             <a:pPr marL="285750" lvl="1" indent="-285750">
               <a:buFont typeface="Arial" panose="020B0604020202020204" pitchFamily="34" charset="0"/>
               <a:buChar char="•"/>
@@ -9541,7 +9530,62 @@
               <a:rPr lang="de-DE" b="0" dirty="0" smtClean="0">
                 <a:hlinkClick r:id="rId2" action="ppaction://hlinkfile"/>
               </a:rPr>
-              <a:t>\\gssnas\bigdata\FWDT\DFischer\image_proc</a:t>
+              <a:t>\\</a:t>
+            </a:r>
+            <a:r>
+              <a:rPr lang="de-DE" b="0" dirty="0" smtClean="0">
+                <a:hlinkClick r:id="rId2" action="ppaction://hlinkfile"/>
+              </a:rPr>
+              <a:t>gssnas\bigdata\FWDT\DFischer\image_proc</a:t>
+            </a:r>
+            <a:endParaRPr lang="de-DE" b="0" dirty="0" smtClean="0"/>
+          </a:p>
+          <a:p>
+            <a:pPr marL="285750" lvl="1" indent="-285750">
+              <a:buFont typeface="Arial" panose="020B0604020202020204" pitchFamily="34" charset="0"/>
+              <a:buChar char="•"/>
+            </a:pPr>
+            <a:r>
+              <a:rPr lang="de-DE" b="0" dirty="0" smtClean="0"/>
+              <a:t>The </a:t>
+            </a:r>
+            <a:r>
+              <a:rPr lang="de-DE" b="0" dirty="0" err="1" smtClean="0"/>
+              <a:t>source</a:t>
+            </a:r>
+            <a:r>
+              <a:rPr lang="de-DE" b="0" dirty="0" smtClean="0"/>
+              <a:t> </a:t>
+            </a:r>
+            <a:r>
+              <a:rPr lang="de-DE" b="0" dirty="0" err="1" smtClean="0"/>
+              <a:t>code</a:t>
+            </a:r>
+            <a:r>
+              <a:rPr lang="de-DE" b="0" dirty="0" smtClean="0"/>
+              <a:t> </a:t>
+            </a:r>
+            <a:r>
+              <a:rPr lang="de-DE" b="0" dirty="0" err="1" smtClean="0"/>
+              <a:t>is</a:t>
+            </a:r>
+            <a:r>
+              <a:rPr lang="de-DE" b="0" dirty="0" smtClean="0"/>
+              <a:t> </a:t>
+            </a:r>
+            <a:r>
+              <a:rPr lang="de-DE" b="0" dirty="0" err="1" smtClean="0"/>
+              <a:t>here</a:t>
+            </a:r>
+            <a:r>
+              <a:rPr lang="de-DE" b="0" dirty="0" smtClean="0"/>
+              <a:t>: </a:t>
+            </a:r>
+            <a:r>
+              <a:rPr lang="de-DE" b="0" dirty="0" smtClean="0">
+                <a:hlinkClick r:id="rId3"/>
+              </a:rPr>
+              <a:t>https://github.com/fischer-sw/instability-processing</a:t>
             </a:r>
             <a:endParaRPr lang="de-DE" b="0" dirty="0" smtClean="0"/>
           </a:p>
